--- a/lectures/lecture #03 presentation.pptx
+++ b/lectures/lecture #03 presentation.pptx
@@ -33,7 +33,7 @@
     <p:sldId id="380" r:id="rId24"/>
     <p:sldId id="381" r:id="rId25"/>
     <p:sldId id="382" r:id="rId26"/>
-    <p:sldId id="348" r:id="rId27"/>
+    <p:sldId id="384" r:id="rId27"/>
   </p:sldIdLst>
   <p:sldSz cx="12192000" cy="6858000"/>
   <p:notesSz cx="6858000" cy="9144000"/>
@@ -222,7 +222,7 @@
           <a:p>
             <a:fld id="{9F16E362-832A-824E-B063-25F5DE831740}" type="datetimeFigureOut">
               <a:rPr lang="en-RU" smtClean="0"/>
-              <a:t>05.11.2021</a:t>
+              <a:t>16.03.2022</a:t>
             </a:fld>
             <a:endParaRPr lang="en-RU"/>
           </a:p>
@@ -11912,108 +11912,6 @@
       </p:grpSpPr>
       <p:sp>
         <p:nvSpPr>
-          <p:cNvPr id="2" name="Текст 1"/>
-          <p:cNvSpPr>
-            <a:spLocks noGrp="1"/>
-          </p:cNvSpPr>
-          <p:nvPr>
-            <p:ph type="body" sz="quarter" idx="4294967295"/>
-          </p:nvPr>
-        </p:nvSpPr>
-        <p:spPr>
-          <a:xfrm>
-            <a:off x="544424" y="4889993"/>
-            <a:ext cx="4941887" cy="332072"/>
-          </a:xfrm>
-          <a:prstGeom prst="rect">
-            <a:avLst/>
-          </a:prstGeom>
-        </p:spPr>
-        <p:txBody>
-          <a:bodyPr/>
-          <a:lstStyle/>
-          <a:p>
-            <a:r>
-              <a:rPr lang="en-US" sz="2400" dirty="0">
-                <a:solidFill>
-                  <a:schemeClr val="accent4"/>
-                </a:solidFill>
-                <a:latin typeface="Helvetica" pitchFamily="2" charset="0"/>
-              </a:rPr>
-              <a:t>Konstantin </a:t>
-            </a:r>
-            <a:r>
-              <a:rPr lang="en-US" sz="2400" dirty="0" err="1">
-                <a:solidFill>
-                  <a:schemeClr val="accent4"/>
-                </a:solidFill>
-                <a:latin typeface="Helvetica" pitchFamily="2" charset="0"/>
-              </a:rPr>
-              <a:t>Leladze</a:t>
-            </a:r>
-            <a:endParaRPr lang="ru-RU" sz="2400" dirty="0">
-              <a:solidFill>
-                <a:schemeClr val="accent4"/>
-              </a:solidFill>
-              <a:latin typeface="Helvetica" pitchFamily="2" charset="0"/>
-            </a:endParaRPr>
-          </a:p>
-        </p:txBody>
-      </p:sp>
-      <p:sp>
-        <p:nvSpPr>
-          <p:cNvPr id="3" name="Текст 2"/>
-          <p:cNvSpPr>
-            <a:spLocks noGrp="1"/>
-          </p:cNvSpPr>
-          <p:nvPr>
-            <p:ph type="body" sz="quarter" idx="4294967295"/>
-          </p:nvPr>
-        </p:nvSpPr>
-        <p:spPr>
-          <a:xfrm>
-            <a:off x="544424" y="5369560"/>
-            <a:ext cx="4941887" cy="626314"/>
-          </a:xfrm>
-          <a:prstGeom prst="rect">
-            <a:avLst/>
-          </a:prstGeom>
-        </p:spPr>
-        <p:txBody>
-          <a:bodyPr/>
-          <a:lstStyle/>
-          <a:p>
-            <a:r>
-              <a:rPr lang="en-US" sz="1400" dirty="0">
-                <a:solidFill>
-                  <a:schemeClr val="accent4"/>
-                </a:solidFill>
-                <a:latin typeface="Helvetica" pitchFamily="2" charset="0"/>
-              </a:rPr>
-              <a:t>C++ Basics</a:t>
-            </a:r>
-          </a:p>
-          <a:p>
-            <a:r>
-              <a:rPr lang="en-US" sz="1200" dirty="0">
-                <a:solidFill>
-                  <a:schemeClr val="accent4"/>
-                </a:solidFill>
-                <a:latin typeface="Helvetica" pitchFamily="2" charset="0"/>
-              </a:rPr>
-              <a:t>DIHT MIPT 2021</a:t>
-            </a:r>
-            <a:endParaRPr lang="ru-RU" sz="1200" dirty="0">
-              <a:solidFill>
-                <a:schemeClr val="accent4"/>
-              </a:solidFill>
-              <a:latin typeface="Helvetica" pitchFamily="2" charset="0"/>
-            </a:endParaRPr>
-          </a:p>
-        </p:txBody>
-      </p:sp>
-      <p:sp>
-        <p:nvSpPr>
           <p:cNvPr id="4" name="Текст 3"/>
           <p:cNvSpPr>
             <a:spLocks noGrp="1"/>
@@ -12024,8 +11922,8 @@
         </p:nvSpPr>
         <p:spPr>
           <a:xfrm>
-            <a:off x="544424" y="3304800"/>
-            <a:ext cx="10401872" cy="1631605"/>
+            <a:off x="544424" y="3429000"/>
+            <a:ext cx="10401872" cy="2926886"/>
           </a:xfrm>
           <a:effectLst>
             <a:softEdge rad="0"/>
@@ -12049,7 +11947,7 @@
                 </a:solidFill>
                 <a:latin typeface="Helvetica" pitchFamily="2" charset="0"/>
               </a:rPr>
-              <a:t>Lecture 2</a:t>
+              <a:t>Lecture 3</a:t>
             </a:r>
           </a:p>
           <a:p>
@@ -12062,7 +11960,63 @@
               </a:rPr>
               <a:t>Introduction to C++</a:t>
             </a:r>
-            <a:endParaRPr lang="en-US" dirty="0">
+          </a:p>
+          <a:p>
+            <a:r>
+              <a:rPr lang="en-US" sz="2800" dirty="0">
+                <a:solidFill>
+                  <a:schemeClr val="accent4"/>
+                </a:solidFill>
+                <a:latin typeface="Helvetica" pitchFamily="2" charset="0"/>
+              </a:rPr>
+              <a:t>Konstantin </a:t>
+            </a:r>
+            <a:r>
+              <a:rPr lang="en-US" sz="2800" dirty="0" err="1">
+                <a:solidFill>
+                  <a:schemeClr val="accent4"/>
+                </a:solidFill>
+                <a:latin typeface="Helvetica" pitchFamily="2" charset="0"/>
+              </a:rPr>
+              <a:t>Leladze</a:t>
+            </a:r>
+            <a:endParaRPr lang="en-US" sz="2800" dirty="0">
+              <a:solidFill>
+                <a:schemeClr val="accent4"/>
+              </a:solidFill>
+              <a:latin typeface="Helvetica" pitchFamily="2" charset="0"/>
+            </a:endParaRPr>
+          </a:p>
+          <a:p>
+            <a:r>
+              <a:rPr lang="en-US" sz="1400" dirty="0">
+                <a:solidFill>
+                  <a:schemeClr val="accent4"/>
+                </a:solidFill>
+                <a:latin typeface="Helvetica" pitchFamily="2" charset="0"/>
+              </a:rPr>
+              <a:t>C++ Basics</a:t>
+            </a:r>
+          </a:p>
+          <a:p>
+            <a:r>
+              <a:rPr lang="en-US" sz="1200" dirty="0">
+                <a:solidFill>
+                  <a:schemeClr val="accent4"/>
+                </a:solidFill>
+                <a:latin typeface="Helvetica" pitchFamily="2" charset="0"/>
+              </a:rPr>
+              <a:t>DIHT MIPT 2021</a:t>
+            </a:r>
+            <a:endParaRPr lang="ru-RU" sz="1200" dirty="0">
+              <a:solidFill>
+                <a:schemeClr val="accent4"/>
+              </a:solidFill>
+              <a:latin typeface="Helvetica" pitchFamily="2" charset="0"/>
+            </a:endParaRPr>
+          </a:p>
+          <a:p>
+            <a:endParaRPr lang="ru-RU" sz="2800" dirty="0">
               <a:solidFill>
                 <a:schemeClr val="accent4"/>
               </a:solidFill>
@@ -12082,7 +12036,7 @@
     </p:spTree>
     <p:extLst>
       <p:ext uri="{BB962C8B-B14F-4D97-AF65-F5344CB8AC3E}">
-        <p14:creationId xmlns:p14="http://schemas.microsoft.com/office/powerpoint/2010/main" val="2353871137"/>
+        <p14:creationId xmlns:p14="http://schemas.microsoft.com/office/powerpoint/2010/main" val="705853449"/>
       </p:ext>
     </p:extLst>
   </p:cSld>
